--- a/LuanVan/LVTN_New/Báo Cáo.pptx
+++ b/LuanVan/LVTN_New/Báo Cáo.pptx
@@ -5,10 +5,10 @@
     <p:sldMasterId id="2147483689" r:id="rId1"/>
   </p:sldMasterIdLst>
   <p:notesMasterIdLst>
-    <p:notesMasterId r:id="rId27"/>
+    <p:notesMasterId r:id="rId28"/>
   </p:notesMasterIdLst>
   <p:handoutMasterIdLst>
-    <p:handoutMasterId r:id="rId28"/>
+    <p:handoutMasterId r:id="rId29"/>
   </p:handoutMasterIdLst>
   <p:sldIdLst>
     <p:sldId id="270" r:id="rId2"/>
@@ -35,7 +35,8 @@
     <p:sldId id="323" r:id="rId23"/>
     <p:sldId id="310" r:id="rId24"/>
     <p:sldId id="311" r:id="rId25"/>
-    <p:sldId id="299" r:id="rId26"/>
+    <p:sldId id="327" r:id="rId26"/>
+    <p:sldId id="299" r:id="rId27"/>
   </p:sldIdLst>
   <p:sldSz cx="9144000" cy="6858000" type="screen4x3"/>
   <p:notesSz cx="6858000" cy="9144000"/>
@@ -282,7 +283,7 @@
           <a:p>
             <a:fld id="{3AB053CA-6C57-4F62-BDA1-685AD8AE14C0}" type="datetimeFigureOut">
               <a:rPr lang="en-ID" smtClean="0"/>
-              <a:t>21/02/2022</a:t>
+              <a:t>21/07/2022</a:t>
             </a:fld>
             <a:endParaRPr lang="en-ID"/>
           </a:p>
@@ -459,7 +460,7 @@
           <a:p>
             <a:fld id="{C0489EC0-97F0-4BF1-B975-36615910DF41}" type="datetimeFigureOut">
               <a:rPr lang="en-ID" smtClean="0"/>
-              <a:t>21/02/2022</a:t>
+              <a:t>21/07/2022</a:t>
             </a:fld>
             <a:endParaRPr lang="en-ID"/>
           </a:p>
@@ -858,7 +859,7 @@
           <a:p>
             <a:fld id="{CF504E04-441F-4771-B6EF-86C7565F3C45}" type="datetimeFigureOut">
               <a:rPr lang="en-ID" smtClean="0"/>
-              <a:t>21/02/2022</a:t>
+              <a:t>21/07/2022</a:t>
             </a:fld>
             <a:endParaRPr lang="en-ID"/>
           </a:p>
@@ -1028,7 +1029,7 @@
           <a:p>
             <a:fld id="{CF504E04-441F-4771-B6EF-86C7565F3C45}" type="datetimeFigureOut">
               <a:rPr lang="en-ID" smtClean="0"/>
-              <a:t>21/02/2022</a:t>
+              <a:t>21/07/2022</a:t>
             </a:fld>
             <a:endParaRPr lang="en-ID"/>
           </a:p>
@@ -1208,7 +1209,7 @@
           <a:p>
             <a:fld id="{CF504E04-441F-4771-B6EF-86C7565F3C45}" type="datetimeFigureOut">
               <a:rPr lang="en-ID" smtClean="0"/>
-              <a:t>21/02/2022</a:t>
+              <a:t>21/07/2022</a:t>
             </a:fld>
             <a:endParaRPr lang="en-ID"/>
           </a:p>
@@ -1978,7 +1979,7 @@
           <a:p>
             <a:fld id="{CF504E04-441F-4771-B6EF-86C7565F3C45}" type="datetimeFigureOut">
               <a:rPr lang="en-ID" smtClean="0"/>
-              <a:t>21/02/2022</a:t>
+              <a:t>21/07/2022</a:t>
             </a:fld>
             <a:endParaRPr lang="en-ID"/>
           </a:p>
@@ -2222,7 +2223,7 @@
           <a:p>
             <a:fld id="{CF504E04-441F-4771-B6EF-86C7565F3C45}" type="datetimeFigureOut">
               <a:rPr lang="en-ID" smtClean="0"/>
-              <a:t>21/02/2022</a:t>
+              <a:t>21/07/2022</a:t>
             </a:fld>
             <a:endParaRPr lang="en-ID"/>
           </a:p>
@@ -2454,7 +2455,7 @@
           <a:p>
             <a:fld id="{CF504E04-441F-4771-B6EF-86C7565F3C45}" type="datetimeFigureOut">
               <a:rPr lang="en-ID" smtClean="0"/>
-              <a:t>21/02/2022</a:t>
+              <a:t>21/07/2022</a:t>
             </a:fld>
             <a:endParaRPr lang="en-ID"/>
           </a:p>
@@ -2821,7 +2822,7 @@
           <a:p>
             <a:fld id="{CF504E04-441F-4771-B6EF-86C7565F3C45}" type="datetimeFigureOut">
               <a:rPr lang="en-ID" smtClean="0"/>
-              <a:t>21/02/2022</a:t>
+              <a:t>21/07/2022</a:t>
             </a:fld>
             <a:endParaRPr lang="en-ID"/>
           </a:p>
@@ -2939,7 +2940,7 @@
           <a:p>
             <a:fld id="{CF504E04-441F-4771-B6EF-86C7565F3C45}" type="datetimeFigureOut">
               <a:rPr lang="en-ID" smtClean="0"/>
-              <a:t>21/02/2022</a:t>
+              <a:t>21/07/2022</a:t>
             </a:fld>
             <a:endParaRPr lang="en-ID"/>
           </a:p>
@@ -3034,7 +3035,7 @@
           <a:p>
             <a:fld id="{CF504E04-441F-4771-B6EF-86C7565F3C45}" type="datetimeFigureOut">
               <a:rPr lang="en-ID" smtClean="0"/>
-              <a:t>21/02/2022</a:t>
+              <a:t>21/07/2022</a:t>
             </a:fld>
             <a:endParaRPr lang="en-ID"/>
           </a:p>
@@ -3311,7 +3312,7 @@
           <a:p>
             <a:fld id="{CF504E04-441F-4771-B6EF-86C7565F3C45}" type="datetimeFigureOut">
               <a:rPr lang="en-ID" smtClean="0"/>
-              <a:t>21/02/2022</a:t>
+              <a:t>21/07/2022</a:t>
             </a:fld>
             <a:endParaRPr lang="en-ID"/>
           </a:p>
@@ -3568,7 +3569,7 @@
           <a:p>
             <a:fld id="{CF504E04-441F-4771-B6EF-86C7565F3C45}" type="datetimeFigureOut">
               <a:rPr lang="en-ID" smtClean="0"/>
-              <a:t>21/02/2022</a:t>
+              <a:t>21/07/2022</a:t>
             </a:fld>
             <a:endParaRPr lang="en-ID"/>
           </a:p>
@@ -3781,7 +3782,7 @@
           <a:p>
             <a:fld id="{CF504E04-441F-4771-B6EF-86C7565F3C45}" type="datetimeFigureOut">
               <a:rPr lang="en-ID" smtClean="0"/>
-              <a:t>21/02/2022</a:t>
+              <a:t>21/07/2022</a:t>
             </a:fld>
             <a:endParaRPr lang="en-ID"/>
           </a:p>
@@ -25150,6 +25151,1518 @@
 </file>
 
 <file path=ppt/slides/slide25.xml><?xml version="1.0" encoding="utf-8"?>
+<p:sld xmlns:a="http://schemas.openxmlformats.org/drawingml/2006/main" xmlns:r="http://schemas.openxmlformats.org/officeDocument/2006/relationships" xmlns:p="http://schemas.openxmlformats.org/presentationml/2006/main">
+  <p:cSld>
+    <p:spTree>
+      <p:nvGrpSpPr>
+        <p:cNvPr id="1" name=""/>
+        <p:cNvGrpSpPr/>
+        <p:nvPr/>
+      </p:nvGrpSpPr>
+      <p:grpSpPr>
+        <a:xfrm>
+          <a:off x="0" y="0"/>
+          <a:ext cx="0" cy="0"/>
+          <a:chOff x="0" y="0"/>
+          <a:chExt cx="0" cy="0"/>
+        </a:xfrm>
+      </p:grpSpPr>
+      <p:sp>
+        <p:nvSpPr>
+          <p:cNvPr id="8" name="Rectangle 7">
+            <a:extLst>
+              <a:ext uri="{FF2B5EF4-FFF2-40B4-BE49-F238E27FC236}">
+                <a16:creationId xmlns:a16="http://schemas.microsoft.com/office/drawing/2014/main" id="{24682308-1CFE-49DA-A970-E3022D1EB010}"/>
+              </a:ext>
+            </a:extLst>
+          </p:cNvPr>
+          <p:cNvSpPr/>
+          <p:nvPr/>
+        </p:nvSpPr>
+        <p:spPr>
+          <a:xfrm>
+            <a:off x="272527" y="234571"/>
+            <a:ext cx="3624121" cy="896711"/>
+          </a:xfrm>
+          <a:prstGeom prst="rect">
+            <a:avLst/>
+          </a:prstGeom>
+          <a:gradFill>
+            <a:gsLst>
+              <a:gs pos="0">
+                <a:schemeClr val="accent1"/>
+              </a:gs>
+              <a:gs pos="100000">
+                <a:schemeClr val="accent2">
+                  <a:alpha val="82000"/>
+                </a:schemeClr>
+              </a:gs>
+            </a:gsLst>
+            <a:lin ang="3600000" scaled="0"/>
+          </a:gradFill>
+          <a:ln>
+            <a:noFill/>
+          </a:ln>
+        </p:spPr>
+        <p:style>
+          <a:lnRef idx="2">
+            <a:schemeClr val="accent1">
+              <a:shade val="50000"/>
+            </a:schemeClr>
+          </a:lnRef>
+          <a:fillRef idx="1">
+            <a:schemeClr val="accent1"/>
+          </a:fillRef>
+          <a:effectRef idx="0">
+            <a:schemeClr val="accent1"/>
+          </a:effectRef>
+          <a:fontRef idx="minor">
+            <a:schemeClr val="lt1"/>
+          </a:fontRef>
+        </p:style>
+        <p:txBody>
+          <a:bodyPr rtlCol="0" anchor="ctr"/>
+          <a:lstStyle/>
+          <a:p>
+            <a:pPr algn="ctr"/>
+            <a:endParaRPr lang="en-US" sz="1350"/>
+          </a:p>
+        </p:txBody>
+      </p:sp>
+      <p:sp>
+        <p:nvSpPr>
+          <p:cNvPr id="5" name="Text Placeholder 4">
+            <a:extLst>
+              <a:ext uri="{FF2B5EF4-FFF2-40B4-BE49-F238E27FC236}">
+                <a16:creationId xmlns:a16="http://schemas.microsoft.com/office/drawing/2014/main" id="{0F934EBF-9964-4CC2-8788-6C93CC7BD4DC}"/>
+              </a:ext>
+            </a:extLst>
+          </p:cNvPr>
+          <p:cNvSpPr>
+            <a:spLocks noGrp="1"/>
+          </p:cNvSpPr>
+          <p:nvPr>
+            <p:ph type="body" sz="quarter" idx="12"/>
+          </p:nvPr>
+        </p:nvSpPr>
+        <p:spPr>
+          <a:xfrm>
+            <a:off x="-198692" y="106538"/>
+            <a:ext cx="4566557" cy="1195614"/>
+          </a:xfrm>
+        </p:spPr>
+        <p:txBody>
+          <a:bodyPr/>
+          <a:lstStyle/>
+          <a:p>
+            <a:pPr lvl="0"/>
+            <a:r>
+              <a:rPr lang="en-US" dirty="0" err="1"/>
+              <a:t>Hướng</a:t>
+            </a:r>
+            <a:r>
+              <a:rPr lang="en-US" dirty="0"/>
+              <a:t> </a:t>
+            </a:r>
+            <a:r>
+              <a:rPr lang="en-US" dirty="0" err="1"/>
+              <a:t>phát</a:t>
+            </a:r>
+            <a:r>
+              <a:rPr lang="en-US" dirty="0"/>
+              <a:t> </a:t>
+            </a:r>
+            <a:r>
+              <a:rPr lang="en-US" dirty="0" err="1"/>
+              <a:t>triển</a:t>
+            </a:r>
+            <a:endParaRPr lang="en-US" dirty="0"/>
+          </a:p>
+        </p:txBody>
+      </p:sp>
+      <p:sp>
+        <p:nvSpPr>
+          <p:cNvPr id="42" name="Isosceles Triangle 41">
+            <a:extLst>
+              <a:ext uri="{FF2B5EF4-FFF2-40B4-BE49-F238E27FC236}">
+                <a16:creationId xmlns:a16="http://schemas.microsoft.com/office/drawing/2014/main" id="{8A71B443-324D-4401-96D7-AC34847CA73A}"/>
+              </a:ext>
+            </a:extLst>
+          </p:cNvPr>
+          <p:cNvSpPr/>
+          <p:nvPr/>
+        </p:nvSpPr>
+        <p:spPr>
+          <a:xfrm>
+            <a:off x="8642479" y="6339273"/>
+            <a:ext cx="121979" cy="105155"/>
+          </a:xfrm>
+          <a:prstGeom prst="triangle">
+            <a:avLst/>
+          </a:prstGeom>
+          <a:gradFill>
+            <a:gsLst>
+              <a:gs pos="0">
+                <a:schemeClr val="accent1"/>
+              </a:gs>
+              <a:gs pos="100000">
+                <a:schemeClr val="accent2"/>
+              </a:gs>
+            </a:gsLst>
+            <a:lin ang="3600000" scaled="0"/>
+          </a:gradFill>
+          <a:ln>
+            <a:noFill/>
+          </a:ln>
+        </p:spPr>
+        <p:style>
+          <a:lnRef idx="2">
+            <a:schemeClr val="accent1">
+              <a:shade val="50000"/>
+            </a:schemeClr>
+          </a:lnRef>
+          <a:fillRef idx="1">
+            <a:schemeClr val="accent1"/>
+          </a:fillRef>
+          <a:effectRef idx="0">
+            <a:schemeClr val="accent1"/>
+          </a:effectRef>
+          <a:fontRef idx="minor">
+            <a:schemeClr val="lt1"/>
+          </a:fontRef>
+        </p:style>
+        <p:txBody>
+          <a:bodyPr rot="0" spcFirstLastPara="0" vertOverflow="overflow" horzOverflow="overflow" vert="horz" wrap="square" lIns="68580" tIns="34290" rIns="68580" bIns="34290" numCol="1" spcCol="0" rtlCol="0" fromWordArt="0" anchor="ctr" anchorCtr="0" forceAA="0" compatLnSpc="1">
+            <a:prstTxWarp prst="textNoShape">
+              <a:avLst/>
+            </a:prstTxWarp>
+            <a:noAutofit/>
+          </a:bodyPr>
+          <a:lstStyle/>
+          <a:p>
+            <a:pPr algn="ctr"/>
+            <a:endParaRPr lang="id-ID" sz="1350"/>
+          </a:p>
+        </p:txBody>
+      </p:sp>
+      <p:sp>
+        <p:nvSpPr>
+          <p:cNvPr id="48" name="TextBox 47">
+            <a:extLst>
+              <a:ext uri="{FF2B5EF4-FFF2-40B4-BE49-F238E27FC236}">
+                <a16:creationId xmlns:a16="http://schemas.microsoft.com/office/drawing/2014/main" id="{51B74924-1A1E-4A88-9D6C-9C153DA9A85B}"/>
+              </a:ext>
+            </a:extLst>
+          </p:cNvPr>
+          <p:cNvSpPr txBox="1"/>
+          <p:nvPr/>
+        </p:nvSpPr>
+        <p:spPr>
+          <a:xfrm>
+            <a:off x="8520195" y="6095582"/>
+            <a:ext cx="366548" cy="230832"/>
+          </a:xfrm>
+          <a:prstGeom prst="rect">
+            <a:avLst/>
+          </a:prstGeom>
+          <a:noFill/>
+        </p:spPr>
+        <p:txBody>
+          <a:bodyPr wrap="square" rtlCol="0">
+            <a:spAutoFit/>
+          </a:bodyPr>
+          <a:lstStyle/>
+          <a:p>
+            <a:pPr algn="ctr"/>
+            <a:fld id="{691AF18D-0852-4468-85C6-A271F63CD70E}" type="slidenum">
+              <a:rPr lang="en-US" sz="900" b="1">
+                <a:latin typeface="+mj-lt"/>
+              </a:rPr>
+              <a:pPr algn="ctr"/>
+              <a:t>25</a:t>
+            </a:fld>
+            <a:endParaRPr lang="en-US" sz="900" b="1" dirty="0">
+              <a:latin typeface="+mj-lt"/>
+              <a:ea typeface="Open Sans Light" panose="020B0306030504020204" pitchFamily="34" charset="0"/>
+              <a:cs typeface="Open Sans Light" panose="020B0306030504020204" pitchFamily="34" charset="0"/>
+            </a:endParaRPr>
+          </a:p>
+        </p:txBody>
+      </p:sp>
+      <p:sp>
+        <p:nvSpPr>
+          <p:cNvPr id="49" name="Rectangle 48">
+            <a:extLst>
+              <a:ext uri="{FF2B5EF4-FFF2-40B4-BE49-F238E27FC236}">
+                <a16:creationId xmlns:a16="http://schemas.microsoft.com/office/drawing/2014/main" id="{86A6E49F-A89F-4EFD-9814-E02223E38AB3}"/>
+              </a:ext>
+            </a:extLst>
+          </p:cNvPr>
+          <p:cNvSpPr/>
+          <p:nvPr/>
+        </p:nvSpPr>
+        <p:spPr>
+          <a:xfrm>
+            <a:off x="8703469" y="0"/>
+            <a:ext cx="440531" cy="649610"/>
+          </a:xfrm>
+          <a:prstGeom prst="rect">
+            <a:avLst/>
+          </a:prstGeom>
+          <a:gradFill>
+            <a:gsLst>
+              <a:gs pos="0">
+                <a:schemeClr val="accent1"/>
+              </a:gs>
+              <a:gs pos="100000">
+                <a:schemeClr val="accent2"/>
+              </a:gs>
+            </a:gsLst>
+            <a:lin ang="3600000" scaled="0"/>
+          </a:gradFill>
+          <a:ln>
+            <a:noFill/>
+          </a:ln>
+        </p:spPr>
+        <p:style>
+          <a:lnRef idx="2">
+            <a:schemeClr val="accent1">
+              <a:shade val="50000"/>
+            </a:schemeClr>
+          </a:lnRef>
+          <a:fillRef idx="1">
+            <a:schemeClr val="accent1"/>
+          </a:fillRef>
+          <a:effectRef idx="0">
+            <a:schemeClr val="accent1"/>
+          </a:effectRef>
+          <a:fontRef idx="minor">
+            <a:schemeClr val="lt1"/>
+          </a:fontRef>
+        </p:style>
+        <p:txBody>
+          <a:bodyPr rtlCol="0" anchor="ctr"/>
+          <a:lstStyle/>
+          <a:p>
+            <a:pPr algn="ctr"/>
+            <a:endParaRPr lang="en-US" sz="1350"/>
+          </a:p>
+        </p:txBody>
+      </p:sp>
+      <p:sp>
+        <p:nvSpPr>
+          <p:cNvPr id="50" name="TextBox 49">
+            <a:extLst>
+              <a:ext uri="{FF2B5EF4-FFF2-40B4-BE49-F238E27FC236}">
+                <a16:creationId xmlns:a16="http://schemas.microsoft.com/office/drawing/2014/main" id="{ABA3D22C-6AA5-44B9-8E25-75D757468B9F}"/>
+              </a:ext>
+            </a:extLst>
+          </p:cNvPr>
+          <p:cNvSpPr txBox="1"/>
+          <p:nvPr/>
+        </p:nvSpPr>
+        <p:spPr>
+          <a:xfrm rot="5400000">
+            <a:off x="7842766" y="1727971"/>
+            <a:ext cx="2161936" cy="230832"/>
+          </a:xfrm>
+          <a:prstGeom prst="rect">
+            <a:avLst/>
+          </a:prstGeom>
+          <a:noFill/>
+        </p:spPr>
+        <p:txBody>
+          <a:bodyPr wrap="square" rtlCol="0" anchor="t">
+            <a:spAutoFit/>
+          </a:bodyPr>
+          <a:lstStyle/>
+          <a:p>
+            <a:pPr algn="ctr"/>
+            <a:r>
+              <a:rPr lang="en-US" sz="900" dirty="0" err="1">
+                <a:solidFill>
+                  <a:schemeClr val="tx2">
+                    <a:lumMod val="20000"/>
+                    <a:lumOff val="80000"/>
+                  </a:schemeClr>
+                </a:solidFill>
+              </a:rPr>
+              <a:t>Một</a:t>
+            </a:r>
+            <a:r>
+              <a:rPr lang="en-US" sz="900" dirty="0">
+                <a:solidFill>
+                  <a:schemeClr val="tx2">
+                    <a:lumMod val="20000"/>
+                    <a:lumOff val="80000"/>
+                  </a:schemeClr>
+                </a:solidFill>
+              </a:rPr>
+              <a:t> </a:t>
+            </a:r>
+            <a:r>
+              <a:rPr lang="en-US" sz="900" dirty="0" err="1">
+                <a:solidFill>
+                  <a:schemeClr val="tx2">
+                    <a:lumMod val="20000"/>
+                    <a:lumOff val="80000"/>
+                  </a:schemeClr>
+                </a:solidFill>
+              </a:rPr>
+              <a:t>số</a:t>
+            </a:r>
+            <a:r>
+              <a:rPr lang="en-US" sz="900" dirty="0">
+                <a:solidFill>
+                  <a:schemeClr val="tx2">
+                    <a:lumMod val="20000"/>
+                    <a:lumOff val="80000"/>
+                  </a:schemeClr>
+                </a:solidFill>
+              </a:rPr>
+              <a:t> </a:t>
+            </a:r>
+            <a:r>
+              <a:rPr lang="en-US" sz="900" dirty="0" err="1">
+                <a:solidFill>
+                  <a:schemeClr val="tx2">
+                    <a:lumMod val="20000"/>
+                    <a:lumOff val="80000"/>
+                  </a:schemeClr>
+                </a:solidFill>
+              </a:rPr>
+              <a:t>phần</a:t>
+            </a:r>
+            <a:r>
+              <a:rPr lang="en-US" sz="900" dirty="0">
+                <a:solidFill>
+                  <a:schemeClr val="tx2">
+                    <a:lumMod val="20000"/>
+                    <a:lumOff val="80000"/>
+                  </a:schemeClr>
+                </a:solidFill>
+              </a:rPr>
+              <a:t> </a:t>
+            </a:r>
+            <a:r>
+              <a:rPr lang="en-US" sz="900" dirty="0" err="1">
+                <a:solidFill>
+                  <a:schemeClr val="tx2">
+                    <a:lumMod val="20000"/>
+                    <a:lumOff val="80000"/>
+                  </a:schemeClr>
+                </a:solidFill>
+              </a:rPr>
+              <a:t>mềm</a:t>
+            </a:r>
+            <a:r>
+              <a:rPr lang="en-US" sz="900" dirty="0">
+                <a:solidFill>
+                  <a:schemeClr val="tx2">
+                    <a:lumMod val="20000"/>
+                    <a:lumOff val="80000"/>
+                  </a:schemeClr>
+                </a:solidFill>
+              </a:rPr>
+              <a:t> </a:t>
+            </a:r>
+            <a:r>
+              <a:rPr lang="en-US" sz="900" dirty="0" err="1">
+                <a:solidFill>
+                  <a:schemeClr val="tx2">
+                    <a:lumMod val="20000"/>
+                    <a:lumOff val="80000"/>
+                  </a:schemeClr>
+                </a:solidFill>
+              </a:rPr>
+              <a:t>xếp</a:t>
+            </a:r>
+            <a:r>
+              <a:rPr lang="en-US" sz="900" dirty="0">
+                <a:solidFill>
+                  <a:schemeClr val="tx2">
+                    <a:lumMod val="20000"/>
+                    <a:lumOff val="80000"/>
+                  </a:schemeClr>
+                </a:solidFill>
+              </a:rPr>
+              <a:t> </a:t>
+            </a:r>
+            <a:r>
+              <a:rPr lang="en-US" sz="900" dirty="0" err="1">
+                <a:solidFill>
+                  <a:schemeClr val="tx2">
+                    <a:lumMod val="20000"/>
+                    <a:lumOff val="80000"/>
+                  </a:schemeClr>
+                </a:solidFill>
+              </a:rPr>
+              <a:t>thời</a:t>
+            </a:r>
+            <a:r>
+              <a:rPr lang="en-US" sz="900" dirty="0">
+                <a:solidFill>
+                  <a:schemeClr val="tx2">
+                    <a:lumMod val="20000"/>
+                    <a:lumOff val="80000"/>
+                  </a:schemeClr>
+                </a:solidFill>
+              </a:rPr>
+              <a:t> </a:t>
+            </a:r>
+            <a:r>
+              <a:rPr lang="en-US" sz="900" dirty="0" err="1">
+                <a:solidFill>
+                  <a:schemeClr val="tx2">
+                    <a:lumMod val="20000"/>
+                    <a:lumOff val="80000"/>
+                  </a:schemeClr>
+                </a:solidFill>
+              </a:rPr>
+              <a:t>khóa</a:t>
+            </a:r>
+            <a:r>
+              <a:rPr lang="en-US" sz="900" dirty="0">
+                <a:solidFill>
+                  <a:schemeClr val="tx2">
+                    <a:lumMod val="20000"/>
+                    <a:lumOff val="80000"/>
+                  </a:schemeClr>
+                </a:solidFill>
+              </a:rPr>
+              <a:t> </a:t>
+            </a:r>
+            <a:r>
+              <a:rPr lang="en-US" sz="900" dirty="0" err="1">
+                <a:solidFill>
+                  <a:schemeClr val="tx2">
+                    <a:lumMod val="20000"/>
+                    <a:lumOff val="80000"/>
+                  </a:schemeClr>
+                </a:solidFill>
+              </a:rPr>
+              <a:t>biểu</a:t>
+            </a:r>
+            <a:endParaRPr lang="en-US" sz="900" dirty="0">
+              <a:solidFill>
+                <a:schemeClr val="tx2">
+                  <a:lumMod val="20000"/>
+                  <a:lumOff val="80000"/>
+                </a:schemeClr>
+              </a:solidFill>
+            </a:endParaRPr>
+          </a:p>
+        </p:txBody>
+      </p:sp>
+      <p:sp>
+        <p:nvSpPr>
+          <p:cNvPr id="51" name="Graphic 448" descr="Bookmark">
+            <a:extLst>
+              <a:ext uri="{FF2B5EF4-FFF2-40B4-BE49-F238E27FC236}">
+                <a16:creationId xmlns:a16="http://schemas.microsoft.com/office/drawing/2014/main" id="{1E5CC305-B044-4A95-B23D-A3A31F4D916C}"/>
+              </a:ext>
+            </a:extLst>
+          </p:cNvPr>
+          <p:cNvSpPr/>
+          <p:nvPr/>
+        </p:nvSpPr>
+        <p:spPr>
+          <a:xfrm>
+            <a:off x="8860106" y="197551"/>
+            <a:ext cx="127254" cy="254507"/>
+          </a:xfrm>
+          <a:custGeom>
+            <a:avLst/>
+            <a:gdLst>
+              <a:gd name="connsiteX0" fmla="*/ 159118 w 159117"/>
+              <a:gd name="connsiteY0" fmla="*/ 318235 h 318235"/>
+              <a:gd name="connsiteX1" fmla="*/ 159118 w 159117"/>
+              <a:gd name="connsiteY1" fmla="*/ 15912 h 318235"/>
+              <a:gd name="connsiteX2" fmla="*/ 143206 w 159117"/>
+              <a:gd name="connsiteY2" fmla="*/ 0 h 318235"/>
+              <a:gd name="connsiteX3" fmla="*/ 15912 w 159117"/>
+              <a:gd name="connsiteY3" fmla="*/ 0 h 318235"/>
+              <a:gd name="connsiteX4" fmla="*/ 0 w 159117"/>
+              <a:gd name="connsiteY4" fmla="*/ 15912 h 318235"/>
+              <a:gd name="connsiteX5" fmla="*/ 0 w 159117"/>
+              <a:gd name="connsiteY5" fmla="*/ 318235 h 318235"/>
+              <a:gd name="connsiteX6" fmla="*/ 79559 w 159117"/>
+              <a:gd name="connsiteY6" fmla="*/ 238676 h 318235"/>
+              <a:gd name="connsiteX7" fmla="*/ 159118 w 159117"/>
+              <a:gd name="connsiteY7" fmla="*/ 318235 h 318235"/>
+            </a:gdLst>
+            <a:ahLst/>
+            <a:cxnLst>
+              <a:cxn ang="0">
+                <a:pos x="connsiteX0" y="connsiteY0"/>
+              </a:cxn>
+              <a:cxn ang="0">
+                <a:pos x="connsiteX1" y="connsiteY1"/>
+              </a:cxn>
+              <a:cxn ang="0">
+                <a:pos x="connsiteX2" y="connsiteY2"/>
+              </a:cxn>
+              <a:cxn ang="0">
+                <a:pos x="connsiteX3" y="connsiteY3"/>
+              </a:cxn>
+              <a:cxn ang="0">
+                <a:pos x="connsiteX4" y="connsiteY4"/>
+              </a:cxn>
+              <a:cxn ang="0">
+                <a:pos x="connsiteX5" y="connsiteY5"/>
+              </a:cxn>
+              <a:cxn ang="0">
+                <a:pos x="connsiteX6" y="connsiteY6"/>
+              </a:cxn>
+              <a:cxn ang="0">
+                <a:pos x="connsiteX7" y="connsiteY7"/>
+              </a:cxn>
+            </a:cxnLst>
+            <a:rect l="l" t="t" r="r" b="b"/>
+            <a:pathLst>
+              <a:path w="159117" h="318235">
+                <a:moveTo>
+                  <a:pt x="159118" y="318235"/>
+                </a:moveTo>
+                <a:lnTo>
+                  <a:pt x="159118" y="15912"/>
+                </a:lnTo>
+                <a:cubicBezTo>
+                  <a:pt x="159118" y="7160"/>
+                  <a:pt x="151957" y="0"/>
+                  <a:pt x="143206" y="0"/>
+                </a:cubicBezTo>
+                <a:lnTo>
+                  <a:pt x="15912" y="0"/>
+                </a:lnTo>
+                <a:cubicBezTo>
+                  <a:pt x="7160" y="0"/>
+                  <a:pt x="0" y="7160"/>
+                  <a:pt x="0" y="15912"/>
+                </a:cubicBezTo>
+                <a:lnTo>
+                  <a:pt x="0" y="318235"/>
+                </a:lnTo>
+                <a:lnTo>
+                  <a:pt x="79559" y="238676"/>
+                </a:lnTo>
+                <a:lnTo>
+                  <a:pt x="159118" y="318235"/>
+                </a:lnTo>
+                <a:close/>
+              </a:path>
+            </a:pathLst>
+          </a:custGeom>
+          <a:solidFill>
+            <a:schemeClr val="bg2"/>
+          </a:solidFill>
+          <a:ln w="3969" cap="flat">
+            <a:noFill/>
+            <a:prstDash val="solid"/>
+            <a:miter/>
+          </a:ln>
+        </p:spPr>
+        <p:txBody>
+          <a:bodyPr rtlCol="0" anchor="ctr"/>
+          <a:lstStyle/>
+          <a:p>
+            <a:endParaRPr lang="en-ID" sz="1350" dirty="0"/>
+          </a:p>
+        </p:txBody>
+      </p:sp>
+      <p:sp>
+        <p:nvSpPr>
+          <p:cNvPr id="7" name="Hộp Văn bản 6">
+            <a:extLst>
+              <a:ext uri="{FF2B5EF4-FFF2-40B4-BE49-F238E27FC236}">
+                <a16:creationId xmlns:a16="http://schemas.microsoft.com/office/drawing/2014/main" id="{938C7BAC-E536-40FB-B492-C128C73EB8A1}"/>
+              </a:ext>
+            </a:extLst>
+          </p:cNvPr>
+          <p:cNvSpPr txBox="1"/>
+          <p:nvPr/>
+        </p:nvSpPr>
+        <p:spPr>
+          <a:xfrm>
+            <a:off x="559558" y="2145671"/>
+            <a:ext cx="7574507" cy="2031325"/>
+          </a:xfrm>
+          <a:prstGeom prst="rect">
+            <a:avLst/>
+          </a:prstGeom>
+          <a:noFill/>
+        </p:spPr>
+        <p:txBody>
+          <a:bodyPr wrap="square" rtlCol="0">
+            <a:spAutoFit/>
+          </a:bodyPr>
+          <a:lstStyle/>
+          <a:p>
+            <a:pPr marL="285750" indent="-285750">
+              <a:buFont typeface="Arial" panose="020B0604020202020204" pitchFamily="34" charset="0"/>
+              <a:buChar char="•"/>
+            </a:pPr>
+            <a:r>
+              <a:rPr lang="en-US" dirty="0" err="1"/>
+              <a:t>Nghiêm</a:t>
+            </a:r>
+            <a:r>
+              <a:rPr lang="en-US" dirty="0"/>
+              <a:t> </a:t>
+            </a:r>
+            <a:r>
+              <a:rPr lang="en-US" dirty="0" err="1"/>
+              <a:t>cứu</a:t>
+            </a:r>
+            <a:r>
+              <a:rPr lang="en-US" dirty="0"/>
+              <a:t> </a:t>
+            </a:r>
+            <a:r>
+              <a:rPr lang="en-US" dirty="0" err="1"/>
+              <a:t>sâu</a:t>
+            </a:r>
+            <a:r>
+              <a:rPr lang="en-US" dirty="0"/>
+              <a:t> </a:t>
+            </a:r>
+            <a:r>
+              <a:rPr lang="en-US" dirty="0" err="1"/>
+              <a:t>về</a:t>
+            </a:r>
+            <a:r>
+              <a:rPr lang="en-US" dirty="0"/>
+              <a:t> </a:t>
+            </a:r>
+            <a:r>
+              <a:rPr lang="en-US" dirty="0" err="1"/>
+              <a:t>Unitime</a:t>
+            </a:r>
+            <a:r>
+              <a:rPr lang="en-US" dirty="0"/>
+              <a:t>.</a:t>
+            </a:r>
+          </a:p>
+          <a:p>
+            <a:pPr marL="285750" indent="-285750">
+              <a:buFont typeface="Arial" panose="020B0604020202020204" pitchFamily="34" charset="0"/>
+              <a:buChar char="•"/>
+            </a:pPr>
+            <a:endParaRPr lang="en-US" dirty="0"/>
+          </a:p>
+          <a:p>
+            <a:pPr marL="285750" indent="-285750">
+              <a:buFont typeface="Arial" panose="020B0604020202020204" pitchFamily="34" charset="0"/>
+              <a:buChar char="•"/>
+            </a:pPr>
+            <a:r>
+              <a:rPr lang="en-US" dirty="0" err="1"/>
+              <a:t>Tìm</a:t>
+            </a:r>
+            <a:r>
+              <a:rPr lang="en-US" dirty="0"/>
+              <a:t> </a:t>
+            </a:r>
+            <a:r>
+              <a:rPr lang="en-US" dirty="0" err="1"/>
+              <a:t>hiểu</a:t>
+            </a:r>
+            <a:r>
+              <a:rPr lang="en-US" dirty="0"/>
+              <a:t> </a:t>
+            </a:r>
+            <a:r>
+              <a:rPr lang="en-US" dirty="0" err="1"/>
+              <a:t>xây</a:t>
+            </a:r>
+            <a:r>
+              <a:rPr lang="en-US" dirty="0"/>
+              <a:t> </a:t>
+            </a:r>
+            <a:r>
+              <a:rPr lang="en-US" dirty="0" err="1"/>
+              <a:t>dựng</a:t>
+            </a:r>
+            <a:r>
+              <a:rPr lang="en-US" dirty="0"/>
+              <a:t> </a:t>
+            </a:r>
+            <a:r>
+              <a:rPr lang="en-US" dirty="0" err="1"/>
+              <a:t>hỗ</a:t>
+            </a:r>
+            <a:r>
+              <a:rPr lang="en-US" dirty="0"/>
+              <a:t> </a:t>
+            </a:r>
+            <a:r>
+              <a:rPr lang="en-US" dirty="0" err="1"/>
+              <a:t>trợ</a:t>
+            </a:r>
+            <a:r>
+              <a:rPr lang="en-US" dirty="0"/>
+              <a:t> </a:t>
+            </a:r>
+            <a:r>
+              <a:rPr lang="en-US" dirty="0" err="1"/>
+              <a:t>lập</a:t>
+            </a:r>
+            <a:r>
+              <a:rPr lang="en-US" dirty="0"/>
+              <a:t> </a:t>
+            </a:r>
+            <a:r>
+              <a:rPr lang="en-US" dirty="0" err="1"/>
+              <a:t>lịch</a:t>
+            </a:r>
+            <a:r>
+              <a:rPr lang="en-US" dirty="0"/>
+              <a:t> </a:t>
+            </a:r>
+            <a:r>
+              <a:rPr lang="en-US" dirty="0" err="1"/>
+              <a:t>theo</a:t>
+            </a:r>
+            <a:r>
+              <a:rPr lang="en-US" dirty="0"/>
+              <a:t> </a:t>
+            </a:r>
+            <a:r>
+              <a:rPr lang="en-US" dirty="0" err="1"/>
+              <a:t>ưu</a:t>
+            </a:r>
+            <a:r>
+              <a:rPr lang="en-US" dirty="0"/>
+              <a:t> </a:t>
+            </a:r>
+            <a:r>
+              <a:rPr lang="en-US" dirty="0" err="1"/>
+              <a:t>tiên</a:t>
+            </a:r>
+            <a:r>
+              <a:rPr lang="en-US" dirty="0"/>
+              <a:t> </a:t>
+            </a:r>
+            <a:r>
+              <a:rPr lang="en-US" dirty="0" err="1"/>
+              <a:t>giảng</a:t>
+            </a:r>
+            <a:r>
+              <a:rPr lang="en-US" dirty="0"/>
+              <a:t> </a:t>
+            </a:r>
+            <a:r>
+              <a:rPr lang="en-US" dirty="0" err="1"/>
+              <a:t>viên</a:t>
+            </a:r>
+            <a:r>
+              <a:rPr lang="en-US" dirty="0"/>
+              <a:t>.</a:t>
+            </a:r>
+          </a:p>
+          <a:p>
+            <a:pPr marL="285750" indent="-285750">
+              <a:buFont typeface="Arial" panose="020B0604020202020204" pitchFamily="34" charset="0"/>
+              <a:buChar char="•"/>
+            </a:pPr>
+            <a:endParaRPr lang="en-US" dirty="0"/>
+          </a:p>
+          <a:p>
+            <a:pPr marL="285750" indent="-285750">
+              <a:buFont typeface="Arial" panose="020B0604020202020204" pitchFamily="34" charset="0"/>
+              <a:buChar char="•"/>
+            </a:pPr>
+            <a:r>
+              <a:rPr lang="en-US" dirty="0" err="1"/>
+              <a:t>Tích</a:t>
+            </a:r>
+            <a:r>
+              <a:rPr lang="en-US" dirty="0"/>
+              <a:t> </a:t>
+            </a:r>
+            <a:r>
+              <a:rPr lang="en-US" dirty="0" err="1"/>
+              <a:t>hợp</a:t>
+            </a:r>
+            <a:r>
+              <a:rPr lang="en-US" dirty="0"/>
+              <a:t> </a:t>
+            </a:r>
+            <a:r>
+              <a:rPr lang="en-US" dirty="0" err="1"/>
+              <a:t>trí</a:t>
+            </a:r>
+            <a:r>
+              <a:rPr lang="en-US" dirty="0"/>
+              <a:t> </a:t>
+            </a:r>
+            <a:r>
+              <a:rPr lang="en-US" dirty="0" err="1"/>
+              <a:t>tuệ</a:t>
+            </a:r>
+            <a:r>
+              <a:rPr lang="en-US" dirty="0"/>
+              <a:t> </a:t>
+            </a:r>
+            <a:r>
+              <a:rPr lang="en-US" dirty="0" err="1"/>
+              <a:t>nhân</a:t>
+            </a:r>
+            <a:r>
+              <a:rPr lang="en-US" dirty="0"/>
+              <a:t> </a:t>
+            </a:r>
+            <a:r>
+              <a:rPr lang="en-US" dirty="0" err="1"/>
+              <a:t>tạo</a:t>
+            </a:r>
+            <a:r>
+              <a:rPr lang="en-US" dirty="0"/>
+              <a:t> </a:t>
+            </a:r>
+            <a:r>
+              <a:rPr lang="en-US" dirty="0" err="1"/>
+              <a:t>trong</a:t>
+            </a:r>
+            <a:r>
+              <a:rPr lang="en-US" dirty="0"/>
+              <a:t> </a:t>
+            </a:r>
+            <a:r>
+              <a:rPr lang="en-US" dirty="0" err="1"/>
+              <a:t>việc</a:t>
+            </a:r>
+            <a:r>
+              <a:rPr lang="en-US" dirty="0"/>
+              <a:t> </a:t>
+            </a:r>
+            <a:r>
+              <a:rPr lang="en-US" dirty="0" err="1"/>
+              <a:t>lập</a:t>
+            </a:r>
+            <a:r>
+              <a:rPr lang="en-US" dirty="0"/>
+              <a:t> </a:t>
+            </a:r>
+            <a:r>
+              <a:rPr lang="en-US" dirty="0" err="1"/>
+              <a:t>lịch</a:t>
+            </a:r>
+            <a:r>
+              <a:rPr lang="en-US" dirty="0"/>
+              <a:t> </a:t>
+            </a:r>
+            <a:r>
+              <a:rPr lang="en-US" dirty="0" err="1"/>
+              <a:t>nhầm</a:t>
+            </a:r>
+            <a:r>
+              <a:rPr lang="en-US" dirty="0"/>
+              <a:t> </a:t>
+            </a:r>
+            <a:r>
+              <a:rPr lang="en-US" dirty="0" err="1"/>
+              <a:t>ghi</a:t>
+            </a:r>
+            <a:r>
+              <a:rPr lang="en-US" dirty="0"/>
+              <a:t> </a:t>
+            </a:r>
+            <a:r>
+              <a:rPr lang="en-US" dirty="0" err="1"/>
+              <a:t>nhớ</a:t>
+            </a:r>
+            <a:r>
+              <a:rPr lang="en-US" dirty="0"/>
+              <a:t> </a:t>
+            </a:r>
+            <a:r>
+              <a:rPr lang="en-US" dirty="0" err="1"/>
+              <a:t>và</a:t>
+            </a:r>
+            <a:r>
+              <a:rPr lang="en-US" dirty="0"/>
+              <a:t> </a:t>
+            </a:r>
+            <a:r>
+              <a:rPr lang="en-US" dirty="0" err="1"/>
+              <a:t>tối</a:t>
+            </a:r>
+            <a:r>
+              <a:rPr lang="en-US" dirty="0"/>
+              <a:t> </a:t>
+            </a:r>
+            <a:r>
+              <a:rPr lang="en-US" dirty="0" err="1"/>
+              <a:t>ưu</a:t>
+            </a:r>
+            <a:r>
+              <a:rPr lang="en-US" dirty="0"/>
+              <a:t> </a:t>
+            </a:r>
+            <a:r>
+              <a:rPr lang="en-US" dirty="0" err="1"/>
+              <a:t>khả</a:t>
+            </a:r>
+            <a:r>
+              <a:rPr lang="en-US" dirty="0"/>
+              <a:t> </a:t>
+            </a:r>
+            <a:r>
+              <a:rPr lang="en-US" dirty="0" err="1"/>
+              <a:t>năng</a:t>
+            </a:r>
+            <a:r>
+              <a:rPr lang="en-US" dirty="0"/>
+              <a:t> </a:t>
+            </a:r>
+            <a:r>
+              <a:rPr lang="en-US" dirty="0" err="1"/>
+              <a:t>xếp</a:t>
+            </a:r>
+            <a:r>
+              <a:rPr lang="en-US" dirty="0"/>
+              <a:t> </a:t>
+            </a:r>
+            <a:r>
+              <a:rPr lang="en-US" dirty="0" err="1"/>
+              <a:t>lịch</a:t>
+            </a:r>
+            <a:r>
+              <a:rPr lang="en-US"/>
+              <a:t>.</a:t>
+            </a:r>
+            <a:endParaRPr lang="en-US" dirty="0"/>
+          </a:p>
+          <a:p>
+            <a:pPr marL="285750" indent="-285750">
+              <a:buFont typeface="Arial" panose="020B0604020202020204" pitchFamily="34" charset="0"/>
+              <a:buChar char="•"/>
+            </a:pPr>
+            <a:endParaRPr lang="en-US" dirty="0"/>
+          </a:p>
+        </p:txBody>
+      </p:sp>
+    </p:spTree>
+    <p:extLst>
+      <p:ext uri="{BB962C8B-B14F-4D97-AF65-F5344CB8AC3E}">
+        <p14:creationId xmlns:p14="http://schemas.microsoft.com/office/powerpoint/2010/main" val="4291484516"/>
+      </p:ext>
+    </p:extLst>
+  </p:cSld>
+  <p:clrMapOvr>
+    <a:masterClrMapping/>
+  </p:clrMapOvr>
+  <p:transition spd="slow">
+    <p:push dir="u"/>
+  </p:transition>
+  <p:timing>
+    <p:tnLst>
+      <p:par>
+        <p:cTn id="1" dur="indefinite" restart="never" nodeType="tmRoot">
+          <p:childTnLst>
+            <p:seq concurrent="1" nextAc="seek">
+              <p:cTn id="2" dur="indefinite" nodeType="mainSeq">
+                <p:childTnLst>
+                  <p:par>
+                    <p:cTn id="3" fill="hold">
+                      <p:stCondLst>
+                        <p:cond delay="indefinite"/>
+                        <p:cond evt="onBegin" delay="0">
+                          <p:tn val="2"/>
+                        </p:cond>
+                      </p:stCondLst>
+                      <p:childTnLst>
+                        <p:par>
+                          <p:cTn id="4" fill="hold">
+                            <p:stCondLst>
+                              <p:cond delay="0"/>
+                            </p:stCondLst>
+                            <p:childTnLst>
+                              <p:par>
+                                <p:cTn id="5" presetID="10" presetClass="entr" presetSubtype="0" fill="hold" grpId="0" nodeType="withEffect">
+                                  <p:stCondLst>
+                                    <p:cond delay="0"/>
+                                  </p:stCondLst>
+                                  <p:childTnLst>
+                                    <p:set>
+                                      <p:cBhvr>
+                                        <p:cTn id="6" dur="1" fill="hold">
+                                          <p:stCondLst>
+                                            <p:cond delay="0"/>
+                                          </p:stCondLst>
+                                        </p:cTn>
+                                        <p:tgtEl>
+                                          <p:spTgt spid="8"/>
+                                        </p:tgtEl>
+                                        <p:attrNameLst>
+                                          <p:attrName>style.visibility</p:attrName>
+                                        </p:attrNameLst>
+                                      </p:cBhvr>
+                                      <p:to>
+                                        <p:strVal val="visible"/>
+                                      </p:to>
+                                    </p:set>
+                                    <p:animEffect transition="in" filter="fade">
+                                      <p:cBhvr>
+                                        <p:cTn id="7" dur="500"/>
+                                        <p:tgtEl>
+                                          <p:spTgt spid="8"/>
+                                        </p:tgtEl>
+                                      </p:cBhvr>
+                                    </p:animEffect>
+                                  </p:childTnLst>
+                                </p:cTn>
+                              </p:par>
+                              <p:par>
+                                <p:cTn id="8" presetID="10" presetClass="entr" presetSubtype="0" fill="hold" grpId="0" nodeType="withEffect">
+                                  <p:stCondLst>
+                                    <p:cond delay="0"/>
+                                  </p:stCondLst>
+                                  <p:childTnLst>
+                                    <p:set>
+                                      <p:cBhvr>
+                                        <p:cTn id="9" dur="1" fill="hold">
+                                          <p:stCondLst>
+                                            <p:cond delay="0"/>
+                                          </p:stCondLst>
+                                        </p:cTn>
+                                        <p:tgtEl>
+                                          <p:spTgt spid="5">
+                                            <p:txEl>
+                                              <p:pRg st="0" end="0"/>
+                                            </p:txEl>
+                                          </p:spTgt>
+                                        </p:tgtEl>
+                                        <p:attrNameLst>
+                                          <p:attrName>style.visibility</p:attrName>
+                                        </p:attrNameLst>
+                                      </p:cBhvr>
+                                      <p:to>
+                                        <p:strVal val="visible"/>
+                                      </p:to>
+                                    </p:set>
+                                    <p:animEffect transition="in" filter="fade">
+                                      <p:cBhvr>
+                                        <p:cTn id="10" dur="500"/>
+                                        <p:tgtEl>
+                                          <p:spTgt spid="5">
+                                            <p:txEl>
+                                              <p:pRg st="0" end="0"/>
+                                            </p:txEl>
+                                          </p:spTgt>
+                                        </p:tgtEl>
+                                      </p:cBhvr>
+                                    </p:animEffect>
+                                  </p:childTnLst>
+                                </p:cTn>
+                              </p:par>
+                              <p:par>
+                                <p:cTn id="11" presetID="2" presetClass="entr" presetSubtype="1" accel="20000" decel="60000" fill="hold" grpId="0" nodeType="withEffect">
+                                  <p:stCondLst>
+                                    <p:cond delay="0"/>
+                                  </p:stCondLst>
+                                  <p:childTnLst>
+                                    <p:set>
+                                      <p:cBhvr>
+                                        <p:cTn id="12" dur="1" fill="hold">
+                                          <p:stCondLst>
+                                            <p:cond delay="0"/>
+                                          </p:stCondLst>
+                                        </p:cTn>
+                                        <p:tgtEl>
+                                          <p:spTgt spid="49"/>
+                                        </p:tgtEl>
+                                        <p:attrNameLst>
+                                          <p:attrName>style.visibility</p:attrName>
+                                        </p:attrNameLst>
+                                      </p:cBhvr>
+                                      <p:to>
+                                        <p:strVal val="visible"/>
+                                      </p:to>
+                                    </p:set>
+                                    <p:anim calcmode="lin" valueType="num">
+                                      <p:cBhvr additive="base">
+                                        <p:cTn id="13" dur="1000" fill="hold"/>
+                                        <p:tgtEl>
+                                          <p:spTgt spid="49"/>
+                                        </p:tgtEl>
+                                        <p:attrNameLst>
+                                          <p:attrName>ppt_x</p:attrName>
+                                        </p:attrNameLst>
+                                      </p:cBhvr>
+                                      <p:tavLst>
+                                        <p:tav tm="0">
+                                          <p:val>
+                                            <p:strVal val="#ppt_x"/>
+                                          </p:val>
+                                        </p:tav>
+                                        <p:tav tm="100000">
+                                          <p:val>
+                                            <p:strVal val="#ppt_x"/>
+                                          </p:val>
+                                        </p:tav>
+                                      </p:tavLst>
+                                    </p:anim>
+                                    <p:anim calcmode="lin" valueType="num">
+                                      <p:cBhvr additive="base">
+                                        <p:cTn id="14" dur="1000" fill="hold"/>
+                                        <p:tgtEl>
+                                          <p:spTgt spid="49"/>
+                                        </p:tgtEl>
+                                        <p:attrNameLst>
+                                          <p:attrName>ppt_y</p:attrName>
+                                        </p:attrNameLst>
+                                      </p:cBhvr>
+                                      <p:tavLst>
+                                        <p:tav tm="0">
+                                          <p:val>
+                                            <p:strVal val="0-#ppt_h/2"/>
+                                          </p:val>
+                                        </p:tav>
+                                        <p:tav tm="100000">
+                                          <p:val>
+                                            <p:strVal val="#ppt_y"/>
+                                          </p:val>
+                                        </p:tav>
+                                      </p:tavLst>
+                                    </p:anim>
+                                  </p:childTnLst>
+                                </p:cTn>
+                              </p:par>
+                              <p:par>
+                                <p:cTn id="15" presetID="2" presetClass="entr" presetSubtype="1" accel="20000" decel="60000" fill="hold" grpId="0" nodeType="withEffect">
+                                  <p:stCondLst>
+                                    <p:cond delay="0"/>
+                                  </p:stCondLst>
+                                  <p:childTnLst>
+                                    <p:set>
+                                      <p:cBhvr>
+                                        <p:cTn id="16" dur="1" fill="hold">
+                                          <p:stCondLst>
+                                            <p:cond delay="0"/>
+                                          </p:stCondLst>
+                                        </p:cTn>
+                                        <p:tgtEl>
+                                          <p:spTgt spid="50"/>
+                                        </p:tgtEl>
+                                        <p:attrNameLst>
+                                          <p:attrName>style.visibility</p:attrName>
+                                        </p:attrNameLst>
+                                      </p:cBhvr>
+                                      <p:to>
+                                        <p:strVal val="visible"/>
+                                      </p:to>
+                                    </p:set>
+                                    <p:anim calcmode="lin" valueType="num">
+                                      <p:cBhvr additive="base">
+                                        <p:cTn id="17" dur="1000" fill="hold"/>
+                                        <p:tgtEl>
+                                          <p:spTgt spid="50"/>
+                                        </p:tgtEl>
+                                        <p:attrNameLst>
+                                          <p:attrName>ppt_x</p:attrName>
+                                        </p:attrNameLst>
+                                      </p:cBhvr>
+                                      <p:tavLst>
+                                        <p:tav tm="0">
+                                          <p:val>
+                                            <p:strVal val="#ppt_x"/>
+                                          </p:val>
+                                        </p:tav>
+                                        <p:tav tm="100000">
+                                          <p:val>
+                                            <p:strVal val="#ppt_x"/>
+                                          </p:val>
+                                        </p:tav>
+                                      </p:tavLst>
+                                    </p:anim>
+                                    <p:anim calcmode="lin" valueType="num">
+                                      <p:cBhvr additive="base">
+                                        <p:cTn id="18" dur="1000" fill="hold"/>
+                                        <p:tgtEl>
+                                          <p:spTgt spid="50"/>
+                                        </p:tgtEl>
+                                        <p:attrNameLst>
+                                          <p:attrName>ppt_y</p:attrName>
+                                        </p:attrNameLst>
+                                      </p:cBhvr>
+                                      <p:tavLst>
+                                        <p:tav tm="0">
+                                          <p:val>
+                                            <p:strVal val="0-#ppt_h/2"/>
+                                          </p:val>
+                                        </p:tav>
+                                        <p:tav tm="100000">
+                                          <p:val>
+                                            <p:strVal val="#ppt_y"/>
+                                          </p:val>
+                                        </p:tav>
+                                      </p:tavLst>
+                                    </p:anim>
+                                  </p:childTnLst>
+                                </p:cTn>
+                              </p:par>
+                              <p:par>
+                                <p:cTn id="19" presetID="2" presetClass="entr" presetSubtype="1" accel="20000" decel="60000" fill="hold" grpId="0" nodeType="withEffect">
+                                  <p:stCondLst>
+                                    <p:cond delay="0"/>
+                                  </p:stCondLst>
+                                  <p:childTnLst>
+                                    <p:set>
+                                      <p:cBhvr>
+                                        <p:cTn id="20" dur="1" fill="hold">
+                                          <p:stCondLst>
+                                            <p:cond delay="0"/>
+                                          </p:stCondLst>
+                                        </p:cTn>
+                                        <p:tgtEl>
+                                          <p:spTgt spid="51"/>
+                                        </p:tgtEl>
+                                        <p:attrNameLst>
+                                          <p:attrName>style.visibility</p:attrName>
+                                        </p:attrNameLst>
+                                      </p:cBhvr>
+                                      <p:to>
+                                        <p:strVal val="visible"/>
+                                      </p:to>
+                                    </p:set>
+                                    <p:anim calcmode="lin" valueType="num">
+                                      <p:cBhvr additive="base">
+                                        <p:cTn id="21" dur="1000" fill="hold"/>
+                                        <p:tgtEl>
+                                          <p:spTgt spid="51"/>
+                                        </p:tgtEl>
+                                        <p:attrNameLst>
+                                          <p:attrName>ppt_x</p:attrName>
+                                        </p:attrNameLst>
+                                      </p:cBhvr>
+                                      <p:tavLst>
+                                        <p:tav tm="0">
+                                          <p:val>
+                                            <p:strVal val="#ppt_x"/>
+                                          </p:val>
+                                        </p:tav>
+                                        <p:tav tm="100000">
+                                          <p:val>
+                                            <p:strVal val="#ppt_x"/>
+                                          </p:val>
+                                        </p:tav>
+                                      </p:tavLst>
+                                    </p:anim>
+                                    <p:anim calcmode="lin" valueType="num">
+                                      <p:cBhvr additive="base">
+                                        <p:cTn id="22" dur="1000" fill="hold"/>
+                                        <p:tgtEl>
+                                          <p:spTgt spid="51"/>
+                                        </p:tgtEl>
+                                        <p:attrNameLst>
+                                          <p:attrName>ppt_y</p:attrName>
+                                        </p:attrNameLst>
+                                      </p:cBhvr>
+                                      <p:tavLst>
+                                        <p:tav tm="0">
+                                          <p:val>
+                                            <p:strVal val="0-#ppt_h/2"/>
+                                          </p:val>
+                                        </p:tav>
+                                        <p:tav tm="100000">
+                                          <p:val>
+                                            <p:strVal val="#ppt_y"/>
+                                          </p:val>
+                                        </p:tav>
+                                      </p:tavLst>
+                                    </p:anim>
+                                  </p:childTnLst>
+                                </p:cTn>
+                              </p:par>
+                              <p:par>
+                                <p:cTn id="23" presetID="2" presetClass="entr" presetSubtype="4" accel="20000" decel="60000" fill="hold" grpId="0" nodeType="withEffect">
+                                  <p:stCondLst>
+                                    <p:cond delay="0"/>
+                                  </p:stCondLst>
+                                  <p:childTnLst>
+                                    <p:set>
+                                      <p:cBhvr>
+                                        <p:cTn id="24" dur="1" fill="hold">
+                                          <p:stCondLst>
+                                            <p:cond delay="0"/>
+                                          </p:stCondLst>
+                                        </p:cTn>
+                                        <p:tgtEl>
+                                          <p:spTgt spid="42"/>
+                                        </p:tgtEl>
+                                        <p:attrNameLst>
+                                          <p:attrName>style.visibility</p:attrName>
+                                        </p:attrNameLst>
+                                      </p:cBhvr>
+                                      <p:to>
+                                        <p:strVal val="visible"/>
+                                      </p:to>
+                                    </p:set>
+                                    <p:anim calcmode="lin" valueType="num">
+                                      <p:cBhvr additive="base">
+                                        <p:cTn id="25" dur="1000" fill="hold"/>
+                                        <p:tgtEl>
+                                          <p:spTgt spid="42"/>
+                                        </p:tgtEl>
+                                        <p:attrNameLst>
+                                          <p:attrName>ppt_x</p:attrName>
+                                        </p:attrNameLst>
+                                      </p:cBhvr>
+                                      <p:tavLst>
+                                        <p:tav tm="0">
+                                          <p:val>
+                                            <p:strVal val="#ppt_x"/>
+                                          </p:val>
+                                        </p:tav>
+                                        <p:tav tm="100000">
+                                          <p:val>
+                                            <p:strVal val="#ppt_x"/>
+                                          </p:val>
+                                        </p:tav>
+                                      </p:tavLst>
+                                    </p:anim>
+                                    <p:anim calcmode="lin" valueType="num">
+                                      <p:cBhvr additive="base">
+                                        <p:cTn id="26" dur="1000" fill="hold"/>
+                                        <p:tgtEl>
+                                          <p:spTgt spid="42"/>
+                                        </p:tgtEl>
+                                        <p:attrNameLst>
+                                          <p:attrName>ppt_y</p:attrName>
+                                        </p:attrNameLst>
+                                      </p:cBhvr>
+                                      <p:tavLst>
+                                        <p:tav tm="0">
+                                          <p:val>
+                                            <p:strVal val="1+#ppt_h/2"/>
+                                          </p:val>
+                                        </p:tav>
+                                        <p:tav tm="100000">
+                                          <p:val>
+                                            <p:strVal val="#ppt_y"/>
+                                          </p:val>
+                                        </p:tav>
+                                      </p:tavLst>
+                                    </p:anim>
+                                  </p:childTnLst>
+                                </p:cTn>
+                              </p:par>
+                              <p:par>
+                                <p:cTn id="27" presetID="2" presetClass="entr" presetSubtype="4" accel="20000" decel="60000" fill="hold" grpId="0" nodeType="withEffect">
+                                  <p:stCondLst>
+                                    <p:cond delay="0"/>
+                                  </p:stCondLst>
+                                  <p:childTnLst>
+                                    <p:set>
+                                      <p:cBhvr>
+                                        <p:cTn id="28" dur="1" fill="hold">
+                                          <p:stCondLst>
+                                            <p:cond delay="0"/>
+                                          </p:stCondLst>
+                                        </p:cTn>
+                                        <p:tgtEl>
+                                          <p:spTgt spid="48"/>
+                                        </p:tgtEl>
+                                        <p:attrNameLst>
+                                          <p:attrName>style.visibility</p:attrName>
+                                        </p:attrNameLst>
+                                      </p:cBhvr>
+                                      <p:to>
+                                        <p:strVal val="visible"/>
+                                      </p:to>
+                                    </p:set>
+                                    <p:anim calcmode="lin" valueType="num">
+                                      <p:cBhvr additive="base">
+                                        <p:cTn id="29" dur="1000" fill="hold"/>
+                                        <p:tgtEl>
+                                          <p:spTgt spid="48"/>
+                                        </p:tgtEl>
+                                        <p:attrNameLst>
+                                          <p:attrName>ppt_x</p:attrName>
+                                        </p:attrNameLst>
+                                      </p:cBhvr>
+                                      <p:tavLst>
+                                        <p:tav tm="0">
+                                          <p:val>
+                                            <p:strVal val="#ppt_x"/>
+                                          </p:val>
+                                        </p:tav>
+                                        <p:tav tm="100000">
+                                          <p:val>
+                                            <p:strVal val="#ppt_x"/>
+                                          </p:val>
+                                        </p:tav>
+                                      </p:tavLst>
+                                    </p:anim>
+                                    <p:anim calcmode="lin" valueType="num">
+                                      <p:cBhvr additive="base">
+                                        <p:cTn id="30" dur="1000" fill="hold"/>
+                                        <p:tgtEl>
+                                          <p:spTgt spid="48"/>
+                                        </p:tgtEl>
+                                        <p:attrNameLst>
+                                          <p:attrName>ppt_y</p:attrName>
+                                        </p:attrNameLst>
+                                      </p:cBhvr>
+                                      <p:tavLst>
+                                        <p:tav tm="0">
+                                          <p:val>
+                                            <p:strVal val="1+#ppt_h/2"/>
+                                          </p:val>
+                                        </p:tav>
+                                        <p:tav tm="100000">
+                                          <p:val>
+                                            <p:strVal val="#ppt_y"/>
+                                          </p:val>
+                                        </p:tav>
+                                      </p:tavLst>
+                                    </p:anim>
+                                  </p:childTnLst>
+                                </p:cTn>
+                              </p:par>
+                            </p:childTnLst>
+                          </p:cTn>
+                        </p:par>
+                      </p:childTnLst>
+                    </p:cTn>
+                  </p:par>
+                </p:childTnLst>
+              </p:cTn>
+              <p:prevCondLst>
+                <p:cond evt="onPrev" delay="0">
+                  <p:tgtEl>
+                    <p:sldTgt/>
+                  </p:tgtEl>
+                </p:cond>
+              </p:prevCondLst>
+              <p:nextCondLst>
+                <p:cond evt="onNext" delay="0">
+                  <p:tgtEl>
+                    <p:sldTgt/>
+                  </p:tgtEl>
+                </p:cond>
+              </p:nextCondLst>
+            </p:seq>
+          </p:childTnLst>
+        </p:cTn>
+      </p:par>
+    </p:tnLst>
+    <p:bldLst>
+      <p:bldP spid="8" grpId="0" animBg="1"/>
+      <p:bldP spid="5" grpId="0" build="p"/>
+      <p:bldP spid="42" grpId="0" animBg="1"/>
+      <p:bldP spid="48" grpId="0"/>
+      <p:bldP spid="49" grpId="0" animBg="1"/>
+      <p:bldP spid="50" grpId="0"/>
+      <p:bldP spid="51" grpId="0" animBg="1"/>
+    </p:bldLst>
+  </p:timing>
+</p:sld>
+</file>
+
+<file path=ppt/slides/slide26.xml><?xml version="1.0" encoding="utf-8"?>
 <p:sld xmlns:a="http://schemas.openxmlformats.org/drawingml/2006/main" xmlns:r="http://schemas.openxmlformats.org/officeDocument/2006/relationships" xmlns:p="http://schemas.openxmlformats.org/presentationml/2006/main">
   <p:cSld>
     <p:spTree>
